--- a/slides/nodejs&express.pptx
+++ b/slides/nodejs&express.pptx
@@ -204,7 +204,7 @@
           <a:p>
             <a:fld id="{89C5D4BA-5590-492C-B2E6-BA6744AEEF91}" type="datetimeFigureOut">
               <a:rPr lang="en-US" smtClean="0"/>
-              <a:t>5/8/2014</a:t>
+              <a:t>5/11/2014</a:t>
             </a:fld>
             <a:endParaRPr lang="en-US"/>
           </a:p>
@@ -1028,6 +1028,26 @@
           <a:bodyPr/>
           <a:lstStyle/>
           <a:p>
+            <a:endParaRPr lang="en-US" dirty="0" smtClean="0"/>
+          </a:p>
+          <a:p>
+            <a:r>
+              <a:rPr lang="en-US" dirty="0" smtClean="0"/>
+              <a:t>It finds the</a:t>
+            </a:r>
+            <a:r>
+              <a:rPr lang="en-US" baseline="0" dirty="0" smtClean="0"/>
+              <a:t> package and install all the dependencies automatically for you, like pom.xml </a:t>
+            </a:r>
+          </a:p>
+          <a:p>
+            <a:endParaRPr lang="en-US" baseline="0" dirty="0" smtClean="0"/>
+          </a:p>
+          <a:p>
+            <a:r>
+              <a:rPr lang="en-US" baseline="0" dirty="0" smtClean="0"/>
+              <a:t>Let’s look at the package file real quick</a:t>
+            </a:r>
             <a:endParaRPr lang="en-US" dirty="0"/>
           </a:p>
         </p:txBody>
@@ -1139,6 +1159,113 @@
                 <a:ea typeface="+mn-ea"/>
                 <a:cs typeface="+mn-cs"/>
               </a:rPr>
+              <a:t>You</a:t>
+            </a:r>
+            <a:r>
+              <a:rPr lang="en-US" altLang="zh-CN" sz="1200" b="1" kern="1200" baseline="0" dirty="0" smtClean="0">
+                <a:solidFill>
+                  <a:schemeClr val="tx1"/>
+                </a:solidFill>
+                <a:effectLst/>
+                <a:latin typeface="+mn-lt"/>
+                <a:ea typeface="+mn-ea"/>
+                <a:cs typeface="+mn-cs"/>
+              </a:rPr>
+              <a:t> must want to know where this package file come from</a:t>
+            </a:r>
+          </a:p>
+          <a:p>
+            <a:pPr marL="0" marR="0" indent="0" algn="l" defTabSz="914400" rtl="0" eaLnBrk="1" fontAlgn="auto" latinLnBrk="0" hangingPunct="1">
+              <a:lnSpc>
+                <a:spcPct val="100000"/>
+              </a:lnSpc>
+              <a:spcBef>
+                <a:spcPts val="0"/>
+              </a:spcBef>
+              <a:spcAft>
+                <a:spcPts val="0"/>
+              </a:spcAft>
+              <a:buClrTx/>
+              <a:buSzTx/>
+              <a:buFontTx/>
+              <a:buNone/>
+              <a:tabLst/>
+              <a:defRPr/>
+            </a:pPr>
+            <a:r>
+              <a:rPr lang="en-US" altLang="zh-CN" sz="1200" b="1" kern="1200" baseline="0" dirty="0" smtClean="0">
+                <a:solidFill>
+                  <a:schemeClr val="tx1"/>
+                </a:solidFill>
+                <a:effectLst/>
+                <a:latin typeface="+mn-lt"/>
+                <a:ea typeface="+mn-ea"/>
+                <a:cs typeface="+mn-cs"/>
+              </a:rPr>
+              <a:t>Well, let ‘s go back and </a:t>
+            </a:r>
+            <a:r>
+              <a:rPr lang="en-US" altLang="zh-CN" sz="1200" b="1" kern="1200" baseline="0" dirty="0" err="1" smtClean="0">
+                <a:solidFill>
+                  <a:schemeClr val="tx1"/>
+                </a:solidFill>
+                <a:effectLst/>
+                <a:latin typeface="+mn-lt"/>
+                <a:ea typeface="+mn-ea"/>
+                <a:cs typeface="+mn-cs"/>
+              </a:rPr>
+              <a:t>recape</a:t>
+            </a:r>
+            <a:r>
+              <a:rPr lang="en-US" altLang="zh-CN" sz="1200" b="1" kern="1200" baseline="0" dirty="0" smtClean="0">
+                <a:solidFill>
+                  <a:schemeClr val="tx1"/>
+                </a:solidFill>
+                <a:effectLst/>
+                <a:latin typeface="+mn-lt"/>
+                <a:ea typeface="+mn-ea"/>
+                <a:cs typeface="+mn-cs"/>
+              </a:rPr>
+              <a:t> it. when you generate node.js app with express , which means we type in “express project name”</a:t>
+            </a:r>
+            <a:endParaRPr lang="en-US" altLang="zh-CN" sz="1200" b="1" kern="1200" dirty="0" smtClean="0">
+              <a:solidFill>
+                <a:schemeClr val="tx1"/>
+              </a:solidFill>
+              <a:effectLst/>
+              <a:latin typeface="+mn-lt"/>
+              <a:ea typeface="+mn-ea"/>
+              <a:cs typeface="+mn-cs"/>
+            </a:endParaRPr>
+          </a:p>
+          <a:p>
+            <a:pPr marL="0" marR="0" indent="0" algn="l" defTabSz="914400" rtl="0" eaLnBrk="1" fontAlgn="auto" latinLnBrk="0" hangingPunct="1">
+              <a:lnSpc>
+                <a:spcPct val="100000"/>
+              </a:lnSpc>
+              <a:spcBef>
+                <a:spcPts val="0"/>
+              </a:spcBef>
+              <a:spcAft>
+                <a:spcPts val="0"/>
+              </a:spcAft>
+              <a:buClrTx/>
+              <a:buSzTx/>
+              <a:buFontTx/>
+              <a:buNone/>
+              <a:tabLst/>
+              <a:defRPr/>
+            </a:pPr>
+            <a:r>
+              <a:rPr lang="en-US" altLang="zh-CN" sz="1200" b="1" kern="1200" dirty="0" smtClean="0">
+                <a:solidFill>
+                  <a:schemeClr val="tx1"/>
+                </a:solidFill>
+                <a:effectLst/>
+                <a:latin typeface="+mn-lt"/>
+                <a:ea typeface="+mn-ea"/>
+                <a:cs typeface="+mn-cs"/>
+              </a:rPr>
               <a:t>app.js</a:t>
             </a:r>
             <a:r>
@@ -1647,9 +1774,57 @@
           <a:p>
             <a:r>
               <a:rPr lang="en-US" dirty="0" smtClean="0"/>
-              <a:t>Routing is a way to map different requests to specific handlers. </a:t>
-            </a:r>
-            <a:endParaRPr lang="en-US" dirty="0"/>
+              <a:t>Routing is a way to map different requests to specific handlers.</a:t>
+            </a:r>
+          </a:p>
+          <a:p>
+            <a:endParaRPr lang="en-US" dirty="0" smtClean="0"/>
+          </a:p>
+          <a:p>
+            <a:r>
+              <a:rPr lang="en-US" sz="1200" b="0" i="0" u="none" strike="noStrike" kern="1200" baseline="0" dirty="0" smtClean="0">
+                <a:solidFill>
+                  <a:schemeClr val="tx1"/>
+                </a:solidFill>
+                <a:latin typeface="+mn-lt"/>
+                <a:ea typeface="+mn-ea"/>
+                <a:cs typeface="+mn-cs"/>
+              </a:rPr>
+              <a:t>Here, uses the require function to load a built-in Node module called http . It puts this lovely module inside of a variable called http . </a:t>
+            </a:r>
+          </a:p>
+          <a:p>
+            <a:endParaRPr lang="en-US" sz="1200" b="0" i="0" u="none" strike="noStrike" kern="1200" baseline="0" dirty="0" smtClean="0">
+              <a:solidFill>
+                <a:schemeClr val="tx1"/>
+              </a:solidFill>
+              <a:latin typeface="+mn-lt"/>
+              <a:ea typeface="+mn-ea"/>
+              <a:cs typeface="+mn-cs"/>
+            </a:endParaRPr>
+          </a:p>
+          <a:p>
+            <a:r>
+              <a:rPr lang="en-US" sz="1200" b="0" i="0" u="none" strike="noStrike" kern="1200" baseline="0" dirty="0" smtClean="0">
+                <a:solidFill>
+                  <a:schemeClr val="tx1"/>
+                </a:solidFill>
+                <a:latin typeface="+mn-lt"/>
+                <a:ea typeface="+mn-ea"/>
+                <a:cs typeface="+mn-cs"/>
+              </a:rPr>
+              <a:t>create the server and start listening, tell the server to listen for requests coming in on port 1337,</a:t>
+            </a:r>
+          </a:p>
+          <a:p>
+            <a:endParaRPr lang="en-US" sz="1200" b="0" i="0" u="none" strike="noStrike" kern="1200" baseline="0" dirty="0" smtClean="0">
+              <a:solidFill>
+                <a:schemeClr val="tx1"/>
+              </a:solidFill>
+              <a:latin typeface="+mn-lt"/>
+              <a:ea typeface="+mn-ea"/>
+              <a:cs typeface="+mn-cs"/>
+            </a:endParaRPr>
           </a:p>
         </p:txBody>
       </p:sp>
@@ -1734,6 +1909,351 @@
           <a:lstStyle/>
           <a:p>
             <a:r>
+              <a:rPr lang="en-US" sz="1200" b="0" i="0" u="none" strike="noStrike" kern="1200" baseline="0" dirty="0" smtClean="0">
+                <a:solidFill>
+                  <a:schemeClr val="tx1"/>
+                </a:solidFill>
+                <a:latin typeface="+mn-lt"/>
+                <a:ea typeface="+mn-ea"/>
+                <a:cs typeface="+mn-cs"/>
+              </a:rPr>
+              <a:t>we require Express. require Node's HTTP module just like we did before. We're ready.</a:t>
+            </a:r>
+          </a:p>
+          <a:p>
+            <a:r>
+              <a:rPr lang="en-US" sz="1200" b="0" i="0" u="none" strike="noStrike" kern="1200" baseline="0" dirty="0" smtClean="0">
+                <a:solidFill>
+                  <a:schemeClr val="tx1"/>
+                </a:solidFill>
+                <a:latin typeface="+mn-lt"/>
+                <a:ea typeface="+mn-ea"/>
+                <a:cs typeface="+mn-cs"/>
+              </a:rPr>
+              <a:t>we had a homepage and an about page and a 404 page. We'd basically do this with a bunch of if statements in the</a:t>
+            </a:r>
+          </a:p>
+          <a:p>
+            <a:r>
+              <a:rPr lang="en-US" sz="1200" b="0" i="0" u="none" strike="noStrike" kern="1200" baseline="0" dirty="0" smtClean="0">
+                <a:solidFill>
+                  <a:schemeClr val="tx1"/>
+                </a:solidFill>
+                <a:latin typeface="+mn-lt"/>
+                <a:ea typeface="+mn-ea"/>
+                <a:cs typeface="+mn-cs"/>
+              </a:rPr>
+              <a:t>examples.</a:t>
+            </a:r>
+          </a:p>
+          <a:p>
+            <a:endParaRPr lang="en-US" sz="1200" b="0" i="0" u="none" strike="noStrike" kern="1200" baseline="0" dirty="0" smtClean="0">
+              <a:solidFill>
+                <a:schemeClr val="tx1"/>
+              </a:solidFill>
+              <a:latin typeface="+mn-lt"/>
+              <a:ea typeface="+mn-ea"/>
+              <a:cs typeface="+mn-cs"/>
+            </a:endParaRPr>
+          </a:p>
+          <a:p>
+            <a:r>
+              <a:rPr lang="en-US" sz="1200" b="0" i="0" u="none" strike="noStrike" kern="1200" baseline="0" dirty="0" smtClean="0">
+                <a:solidFill>
+                  <a:schemeClr val="tx1"/>
+                </a:solidFill>
+                <a:latin typeface="+mn-lt"/>
+                <a:ea typeface="+mn-ea"/>
+                <a:cs typeface="+mn-cs"/>
+              </a:rPr>
+              <a:t>After the basic requires, we say "every request goes through this function" with </a:t>
+            </a:r>
+            <a:r>
+              <a:rPr lang="en-US" sz="1200" b="0" i="0" u="none" strike="noStrike" kern="1200" baseline="0" dirty="0" err="1" smtClean="0">
+                <a:solidFill>
+                  <a:schemeClr val="tx1"/>
+                </a:solidFill>
+                <a:latin typeface="+mn-lt"/>
+                <a:ea typeface="+mn-ea"/>
+                <a:cs typeface="+mn-cs"/>
+              </a:rPr>
+              <a:t>app.all</a:t>
+            </a:r>
+            <a:r>
+              <a:rPr lang="en-US" sz="1200" b="0" i="0" u="none" strike="noStrike" kern="1200" baseline="0" dirty="0" smtClean="0">
+                <a:solidFill>
+                  <a:schemeClr val="tx1"/>
+                </a:solidFill>
+                <a:latin typeface="+mn-lt"/>
+                <a:ea typeface="+mn-ea"/>
+                <a:cs typeface="+mn-cs"/>
+              </a:rPr>
+              <a:t>.</a:t>
+            </a:r>
+          </a:p>
+          <a:p>
+            <a:endParaRPr lang="en-US" sz="1200" b="0" i="0" u="none" strike="noStrike" kern="1200" baseline="0" dirty="0" smtClean="0">
+              <a:solidFill>
+                <a:schemeClr val="tx1"/>
+              </a:solidFill>
+              <a:latin typeface="+mn-lt"/>
+              <a:ea typeface="+mn-ea"/>
+              <a:cs typeface="+mn-cs"/>
+            </a:endParaRPr>
+          </a:p>
+          <a:p>
+            <a:r>
+              <a:rPr lang="en-US" sz="1200" b="0" i="0" u="none" strike="noStrike" kern="1200" baseline="0" dirty="0" smtClean="0">
+                <a:solidFill>
+                  <a:schemeClr val="tx1"/>
+                </a:solidFill>
+                <a:latin typeface="+mn-lt"/>
+                <a:ea typeface="+mn-ea"/>
+                <a:cs typeface="+mn-cs"/>
+              </a:rPr>
+              <a:t>The three calls to </a:t>
+            </a:r>
+            <a:r>
+              <a:rPr lang="en-US" sz="1200" b="0" i="0" u="none" strike="noStrike" kern="1200" baseline="0" dirty="0" err="1" smtClean="0">
+                <a:solidFill>
+                  <a:schemeClr val="tx1"/>
+                </a:solidFill>
+                <a:latin typeface="+mn-lt"/>
+                <a:ea typeface="+mn-ea"/>
+                <a:cs typeface="+mn-cs"/>
+              </a:rPr>
+              <a:t>app.get</a:t>
+            </a:r>
+            <a:r>
+              <a:rPr lang="en-US" sz="1200" b="0" i="0" u="none" strike="noStrike" kern="1200" baseline="0" dirty="0" smtClean="0">
+                <a:solidFill>
+                  <a:schemeClr val="tx1"/>
+                </a:solidFill>
+                <a:latin typeface="+mn-lt"/>
+                <a:ea typeface="+mn-ea"/>
+                <a:cs typeface="+mn-cs"/>
+              </a:rPr>
+              <a:t> are Express's routing system. They could also be </a:t>
+            </a:r>
+            <a:r>
+              <a:rPr lang="en-US" sz="1200" b="0" i="0" u="none" strike="noStrike" kern="1200" baseline="0" dirty="0" err="1" smtClean="0">
+                <a:solidFill>
+                  <a:schemeClr val="tx1"/>
+                </a:solidFill>
+                <a:latin typeface="+mn-lt"/>
+                <a:ea typeface="+mn-ea"/>
+                <a:cs typeface="+mn-cs"/>
+              </a:rPr>
+              <a:t>app.post</a:t>
+            </a:r>
+            <a:r>
+              <a:rPr lang="en-US" sz="1200" b="0" i="0" u="none" strike="noStrike" kern="1200" baseline="0" dirty="0" smtClean="0">
+                <a:solidFill>
+                  <a:schemeClr val="tx1"/>
+                </a:solidFill>
+                <a:latin typeface="+mn-lt"/>
+                <a:ea typeface="+mn-ea"/>
+                <a:cs typeface="+mn-cs"/>
+              </a:rPr>
+              <a:t> , which respond to POST requests, or PUT, or any of the HTTP verbs. The first argument is a path, like /about or / . The second argument is a request handler similar to what we've seen before. </a:t>
+            </a:r>
+          </a:p>
+          <a:p>
+            <a:endParaRPr lang="en-US" sz="1200" b="0" i="0" u="none" strike="noStrike" kern="1200" baseline="0" dirty="0" smtClean="0">
+              <a:solidFill>
+                <a:schemeClr val="tx1"/>
+              </a:solidFill>
+              <a:latin typeface="+mn-lt"/>
+              <a:ea typeface="+mn-ea"/>
+              <a:cs typeface="+mn-cs"/>
+            </a:endParaRPr>
+          </a:p>
+          <a:p>
+            <a:pPr marL="0" marR="0" indent="0" algn="l" defTabSz="914400" rtl="0" eaLnBrk="1" fontAlgn="auto" latinLnBrk="0" hangingPunct="1">
+              <a:lnSpc>
+                <a:spcPct val="100000"/>
+              </a:lnSpc>
+              <a:spcBef>
+                <a:spcPts val="0"/>
+              </a:spcBef>
+              <a:spcAft>
+                <a:spcPts val="0"/>
+              </a:spcAft>
+              <a:buClrTx/>
+              <a:buSzTx/>
+              <a:buFontTx/>
+              <a:buNone/>
+              <a:tabLst/>
+              <a:defRPr/>
+            </a:pPr>
+            <a:r>
+              <a:rPr lang="en-US" sz="1200" b="0" i="0" u="none" strike="noStrike" kern="1200" baseline="0" dirty="0" smtClean="0">
+                <a:solidFill>
+                  <a:schemeClr val="tx1"/>
+                </a:solidFill>
+                <a:latin typeface="+mn-lt"/>
+                <a:ea typeface="+mn-ea"/>
+                <a:cs typeface="+mn-cs"/>
+              </a:rPr>
+              <a:t>Next():invoke next('route') to bypass the remaining route callback(s). </a:t>
+            </a:r>
+            <a:endParaRPr lang="en-US" dirty="0" smtClean="0"/>
+          </a:p>
+          <a:p>
+            <a:r>
+              <a:rPr lang="en-US" sz="1200" b="0" i="0" u="none" strike="noStrike" kern="1200" baseline="0" dirty="0" smtClean="0">
+                <a:solidFill>
+                  <a:schemeClr val="tx1"/>
+                </a:solidFill>
+                <a:latin typeface="+mn-lt"/>
+                <a:ea typeface="+mn-ea"/>
+                <a:cs typeface="+mn-cs"/>
+              </a:rPr>
+              <a:t>pre-con</a:t>
+            </a:r>
+          </a:p>
+          <a:p>
+            <a:endParaRPr lang="en-US" sz="1200" b="0" i="0" u="none" strike="noStrike" kern="1200" baseline="0" dirty="0" smtClean="0">
+              <a:solidFill>
+                <a:schemeClr val="tx1"/>
+              </a:solidFill>
+              <a:latin typeface="+mn-lt"/>
+              <a:ea typeface="+mn-ea"/>
+              <a:cs typeface="+mn-cs"/>
+            </a:endParaRPr>
+          </a:p>
+          <a:p>
+            <a:r>
+              <a:rPr lang="en-US" sz="1200" b="0" i="0" u="none" strike="noStrike" kern="1200" baseline="0" dirty="0" smtClean="0">
+                <a:solidFill>
+                  <a:schemeClr val="tx1"/>
+                </a:solidFill>
+                <a:latin typeface="+mn-lt"/>
+                <a:ea typeface="+mn-ea"/>
+                <a:cs typeface="+mn-cs"/>
+              </a:rPr>
+              <a:t>Conceptually, there's not much to know, other than the fact that Express extends the request and response. For</a:t>
+            </a:r>
+          </a:p>
+          <a:p>
+            <a:r>
+              <a:rPr lang="en-US" sz="1200" b="0" i="0" u="none" strike="noStrike" kern="1200" baseline="0" dirty="0" smtClean="0">
+                <a:solidFill>
+                  <a:schemeClr val="tx1"/>
+                </a:solidFill>
+                <a:latin typeface="+mn-lt"/>
+                <a:ea typeface="+mn-ea"/>
+                <a:cs typeface="+mn-cs"/>
+              </a:rPr>
+              <a:t>everything Express gives you, check out the API </a:t>
+            </a:r>
+            <a:r>
+              <a:rPr lang="en-US" sz="1200" b="0" i="0" u="none" strike="noStrike" kern="1200" baseline="0" dirty="0" err="1" smtClean="0">
+                <a:solidFill>
+                  <a:schemeClr val="tx1"/>
+                </a:solidFill>
+                <a:latin typeface="+mn-lt"/>
+                <a:ea typeface="+mn-ea"/>
+                <a:cs typeface="+mn-cs"/>
+              </a:rPr>
+              <a:t>docs.ditions</a:t>
+            </a:r>
+            <a:r>
+              <a:rPr lang="en-US" sz="1200" b="0" i="0" u="none" strike="noStrike" kern="1200" baseline="0" dirty="0" smtClean="0">
+                <a:solidFill>
+                  <a:schemeClr val="tx1"/>
+                </a:solidFill>
+                <a:latin typeface="+mn-lt"/>
+                <a:ea typeface="+mn-ea"/>
+                <a:cs typeface="+mn-cs"/>
+              </a:rPr>
+              <a:t> on a route then pass control to subsequent routes when</a:t>
+            </a:r>
+            <a:endParaRPr lang="en-US" dirty="0"/>
+          </a:p>
+        </p:txBody>
+      </p:sp>
+      <p:sp>
+        <p:nvSpPr>
+          <p:cNvPr id="4" name="Slide Number Placeholder 3"/>
+          <p:cNvSpPr>
+            <a:spLocks noGrp="1"/>
+          </p:cNvSpPr>
+          <p:nvPr>
+            <p:ph type="sldNum" sz="quarter" idx="10"/>
+          </p:nvPr>
+        </p:nvSpPr>
+        <p:spPr/>
+        <p:txBody>
+          <a:bodyPr/>
+          <a:lstStyle/>
+          <a:p>
+            <a:fld id="{A0887FB4-CD72-486D-99A7-F7D4C29E51BE}" type="slidenum">
+              <a:rPr lang="en-US" smtClean="0"/>
+              <a:t>8</a:t>
+            </a:fld>
+            <a:endParaRPr lang="en-US"/>
+          </a:p>
+        </p:txBody>
+      </p:sp>
+    </p:spTree>
+    <p:extLst>
+      <p:ext uri="{BB962C8B-B14F-4D97-AF65-F5344CB8AC3E}">
+        <p14:creationId xmlns:p14="http://schemas.microsoft.com/office/powerpoint/2010/main" val="208211184"/>
+      </p:ext>
+    </p:extLst>
+  </p:cSld>
+  <p:clrMapOvr>
+    <a:masterClrMapping/>
+  </p:clrMapOvr>
+</p:notes>
+</file>
+
+<file path=ppt/notesSlides/notesSlide9.xml><?xml version="1.0" encoding="utf-8"?>
+<p:notes xmlns:a="http://schemas.openxmlformats.org/drawingml/2006/main" xmlns:r="http://schemas.openxmlformats.org/officeDocument/2006/relationships" xmlns:p="http://schemas.openxmlformats.org/presentationml/2006/main">
+  <p:cSld>
+    <p:spTree>
+      <p:nvGrpSpPr>
+        <p:cNvPr id="1" name=""/>
+        <p:cNvGrpSpPr/>
+        <p:nvPr/>
+      </p:nvGrpSpPr>
+      <p:grpSpPr>
+        <a:xfrm>
+          <a:off x="0" y="0"/>
+          <a:ext cx="0" cy="0"/>
+          <a:chOff x="0" y="0"/>
+          <a:chExt cx="0" cy="0"/>
+        </a:xfrm>
+      </p:grpSpPr>
+      <p:sp>
+        <p:nvSpPr>
+          <p:cNvPr id="2" name="Slide Image Placeholder 1"/>
+          <p:cNvSpPr>
+            <a:spLocks noGrp="1" noRot="1" noChangeAspect="1"/>
+          </p:cNvSpPr>
+          <p:nvPr>
+            <p:ph type="sldImg"/>
+          </p:nvPr>
+        </p:nvSpPr>
+        <p:spPr/>
+      </p:sp>
+      <p:sp>
+        <p:nvSpPr>
+          <p:cNvPr id="3" name="Notes Placeholder 2"/>
+          <p:cNvSpPr>
+            <a:spLocks noGrp="1"/>
+          </p:cNvSpPr>
+          <p:nvPr>
+            <p:ph type="body" idx="1"/>
+          </p:nvPr>
+        </p:nvSpPr>
+        <p:spPr/>
+        <p:txBody>
+          <a:bodyPr/>
+          <a:lstStyle/>
+          <a:p>
+            <a:r>
               <a:rPr lang="en-US" dirty="0" smtClean="0"/>
               <a:t>Helps</a:t>
             </a:r>
@@ -1963,7 +2483,7 @@
             <a:fld id="{1D8BD707-D9CF-40AE-B4C6-C98DA3205C09}" type="datetimeFigureOut">
               <a:rPr lang="en-US" smtClean="0"/>
               <a:pPr/>
-              <a:t>5/8/2014</a:t>
+              <a:t>5/11/2014</a:t>
             </a:fld>
             <a:endParaRPr lang="en-US"/>
           </a:p>
@@ -2130,7 +2650,7 @@
             <a:fld id="{1D8BD707-D9CF-40AE-B4C6-C98DA3205C09}" type="datetimeFigureOut">
               <a:rPr lang="en-US" smtClean="0"/>
               <a:pPr/>
-              <a:t>5/8/2014</a:t>
+              <a:t>5/11/2014</a:t>
             </a:fld>
             <a:endParaRPr lang="en-US"/>
           </a:p>
@@ -2307,7 +2827,7 @@
             <a:fld id="{1D8BD707-D9CF-40AE-B4C6-C98DA3205C09}" type="datetimeFigureOut">
               <a:rPr lang="en-US" smtClean="0"/>
               <a:pPr/>
-              <a:t>5/8/2014</a:t>
+              <a:t>5/11/2014</a:t>
             </a:fld>
             <a:endParaRPr lang="en-US"/>
           </a:p>
@@ -2474,7 +2994,7 @@
             <a:fld id="{1D8BD707-D9CF-40AE-B4C6-C98DA3205C09}" type="datetimeFigureOut">
               <a:rPr lang="en-US" smtClean="0"/>
               <a:pPr/>
-              <a:t>5/8/2014</a:t>
+              <a:t>5/11/2014</a:t>
             </a:fld>
             <a:endParaRPr lang="en-US"/>
           </a:p>
@@ -2717,7 +3237,7 @@
             <a:fld id="{1D8BD707-D9CF-40AE-B4C6-C98DA3205C09}" type="datetimeFigureOut">
               <a:rPr lang="en-US" smtClean="0"/>
               <a:pPr/>
-              <a:t>5/8/2014</a:t>
+              <a:t>5/11/2014</a:t>
             </a:fld>
             <a:endParaRPr lang="en-US"/>
           </a:p>
@@ -3002,7 +3522,7 @@
             <a:fld id="{1D8BD707-D9CF-40AE-B4C6-C98DA3205C09}" type="datetimeFigureOut">
               <a:rPr lang="en-US" smtClean="0"/>
               <a:pPr/>
-              <a:t>5/8/2014</a:t>
+              <a:t>5/11/2014</a:t>
             </a:fld>
             <a:endParaRPr lang="en-US"/>
           </a:p>
@@ -3421,7 +3941,7 @@
             <a:fld id="{1D8BD707-D9CF-40AE-B4C6-C98DA3205C09}" type="datetimeFigureOut">
               <a:rPr lang="en-US" smtClean="0"/>
               <a:pPr/>
-              <a:t>5/8/2014</a:t>
+              <a:t>5/11/2014</a:t>
             </a:fld>
             <a:endParaRPr lang="en-US"/>
           </a:p>
@@ -3536,7 +4056,7 @@
             <a:fld id="{1D8BD707-D9CF-40AE-B4C6-C98DA3205C09}" type="datetimeFigureOut">
               <a:rPr lang="en-US" smtClean="0"/>
               <a:pPr/>
-              <a:t>5/8/2014</a:t>
+              <a:t>5/11/2014</a:t>
             </a:fld>
             <a:endParaRPr lang="en-US"/>
           </a:p>
@@ -3628,7 +4148,7 @@
             <a:fld id="{1D8BD707-D9CF-40AE-B4C6-C98DA3205C09}" type="datetimeFigureOut">
               <a:rPr lang="en-US" smtClean="0"/>
               <a:pPr/>
-              <a:t>5/8/2014</a:t>
+              <a:t>5/11/2014</a:t>
             </a:fld>
             <a:endParaRPr lang="en-US"/>
           </a:p>
@@ -3902,7 +4422,7 @@
             <a:fld id="{1D8BD707-D9CF-40AE-B4C6-C98DA3205C09}" type="datetimeFigureOut">
               <a:rPr lang="en-US" smtClean="0"/>
               <a:pPr/>
-              <a:t>5/8/2014</a:t>
+              <a:t>5/11/2014</a:t>
             </a:fld>
             <a:endParaRPr lang="en-US"/>
           </a:p>
@@ -4152,7 +4672,7 @@
             <a:fld id="{1D8BD707-D9CF-40AE-B4C6-C98DA3205C09}" type="datetimeFigureOut">
               <a:rPr lang="en-US" smtClean="0"/>
               <a:pPr/>
-              <a:t>5/8/2014</a:t>
+              <a:t>5/11/2014</a:t>
             </a:fld>
             <a:endParaRPr lang="en-US"/>
           </a:p>
@@ -4362,7 +4882,7 @@
             <a:fld id="{1D8BD707-D9CF-40AE-B4C6-C98DA3205C09}" type="datetimeFigureOut">
               <a:rPr lang="en-US" smtClean="0"/>
               <a:pPr/>
-              <a:t>5/8/2014</a:t>
+              <a:t>5/11/2014</a:t>
             </a:fld>
             <a:endParaRPr lang="en-US"/>
           </a:p>
@@ -5170,6 +5690,13 @@
   <p:clrMapOvr>
     <a:masterClrMapping/>
   </p:clrMapOvr>
+  <p:timing>
+    <p:tnLst>
+      <p:par>
+        <p:cTn id="1" dur="indefinite" restart="never" nodeType="tmRoot"/>
+      </p:par>
+    </p:tnLst>
+  </p:timing>
 </p:sld>
 </file>
 
@@ -5261,6 +5788,13 @@
   <p:clrMapOvr>
     <a:masterClrMapping/>
   </p:clrMapOvr>
+  <p:timing>
+    <p:tnLst>
+      <p:par>
+        <p:cTn id="1" dur="indefinite" restart="never" nodeType="tmRoot"/>
+      </p:par>
+    </p:tnLst>
+  </p:timing>
 </p:sld>
 </file>
 
@@ -5331,18 +5865,54 @@
             </a:r>
           </a:p>
           <a:p>
-            <a:r>
-              <a:rPr lang="en-US" dirty="0"/>
-              <a:t> </a:t>
-            </a:r>
-            <a:r>
-              <a:rPr lang="en-US" dirty="0" smtClean="0"/>
-              <a:t>Newly-released Express 4.0.0</a:t>
-            </a:r>
+            <a:pPr marL="0" indent="0">
+              <a:buNone/>
+            </a:pPr>
             <a:endParaRPr lang="en-US" dirty="0"/>
           </a:p>
         </p:txBody>
       </p:sp>
+      <p:pic>
+        <p:nvPicPr>
+          <p:cNvPr id="1026" name="Picture 2" descr="http://www.webapplog.com/wp-content/uploads/sinatra-inspired-web-development-framework-for-node-express.jpg"/>
+          <p:cNvPicPr>
+            <a:picLocks noChangeAspect="1" noChangeArrowheads="1"/>
+          </p:cNvPicPr>
+          <p:nvPr/>
+        </p:nvPicPr>
+        <p:blipFill>
+          <a:blip r:embed="rId3">
+            <a:extLst>
+              <a:ext uri="{28A0092B-C50C-407E-A947-70E740481C1C}">
+                <a14:useLocalDpi xmlns:a14="http://schemas.microsoft.com/office/drawing/2010/main" val="0"/>
+              </a:ext>
+            </a:extLst>
+          </a:blip>
+          <a:srcRect/>
+          <a:stretch>
+            <a:fillRect/>
+          </a:stretch>
+        </p:blipFill>
+        <p:spPr bwMode="auto">
+          <a:xfrm>
+            <a:off x="1447800" y="3352800"/>
+            <a:ext cx="6000750" cy="1931670"/>
+          </a:xfrm>
+          <a:prstGeom prst="rect">
+            <a:avLst/>
+          </a:prstGeom>
+          <a:noFill/>
+          <a:extLst>
+            <a:ext uri="{909E8E84-426E-40DD-AFC4-6F175D3DCCD1}">
+              <a14:hiddenFill xmlns:a14="http://schemas.microsoft.com/office/drawing/2010/main">
+                <a:solidFill>
+                  <a:srgbClr val="FFFFFF"/>
+                </a:solidFill>
+              </a14:hiddenFill>
+            </a:ext>
+          </a:extLst>
+        </p:spPr>
+      </p:pic>
     </p:spTree>
     <p:extLst>
       <p:ext uri="{BB962C8B-B14F-4D97-AF65-F5344CB8AC3E}">
@@ -5420,28 +5990,23 @@
           <a:p>
             <a:r>
               <a:rPr lang="en-US" dirty="0" smtClean="0"/>
-              <a:t> Parses argument s and headers</a:t>
-            </a:r>
-          </a:p>
-          <a:p>
-            <a:r>
-              <a:rPr lang="en-US" dirty="0"/>
-              <a:t> </a:t>
-            </a:r>
+              <a:t>Archetype</a:t>
+            </a:r>
+            <a:endParaRPr lang="en-US" dirty="0" smtClean="0"/>
+          </a:p>
+          <a:p>
             <a:r>
               <a:rPr lang="en-US" dirty="0" smtClean="0"/>
               <a:t>Routing</a:t>
             </a:r>
-          </a:p>
-          <a:p>
-            <a:r>
-              <a:rPr lang="en-US" dirty="0"/>
-              <a:t> </a:t>
-            </a:r>
+            <a:endParaRPr lang="en-US" dirty="0" smtClean="0"/>
+          </a:p>
+          <a:p>
             <a:r>
               <a:rPr lang="en-US" dirty="0" smtClean="0"/>
-              <a:t>Views</a:t>
-            </a:r>
+              <a:t> Views</a:t>
+            </a:r>
+            <a:endParaRPr lang="en-US" dirty="0" smtClean="0"/>
           </a:p>
           <a:p>
             <a:r>
@@ -5528,9 +6093,16 @@
             <p:ph idx="1"/>
           </p:nvPr>
         </p:nvSpPr>
-        <p:spPr/>
-        <p:txBody>
-          <a:bodyPr/>
+        <p:spPr>
+          <a:xfrm>
+            <a:off x="457200" y="1600200"/>
+            <a:ext cx="8229600" cy="5410200"/>
+          </a:xfrm>
+        </p:spPr>
+        <p:txBody>
+          <a:bodyPr>
+            <a:normAutofit/>
+          </a:bodyPr>
           <a:lstStyle/>
           <a:p>
             <a:r>
@@ -5544,7 +6116,7 @@
             </a:pPr>
             <a:r>
               <a:rPr lang="en-US" dirty="0" smtClean="0"/>
-              <a:t>     </a:t>
+              <a:t>    </a:t>
             </a:r>
             <a:r>
               <a:rPr lang="en-US" dirty="0" smtClean="0">
@@ -5588,15 +6160,20 @@
             </a:pPr>
             <a:r>
               <a:rPr lang="en-US" dirty="0" smtClean="0"/>
-              <a:t>     local: c:\&gt; </a:t>
-            </a:r>
-            <a:r>
-              <a:rPr lang="en-US" dirty="0" err="1" smtClean="0"/>
-              <a:t>npm</a:t>
-            </a:r>
+              <a:t>     local: </a:t>
+            </a:r>
+          </a:p>
+          <a:p>
+            <a:pPr marL="0" indent="0">
+              <a:buNone/>
+            </a:pPr>
             <a:r>
               <a:rPr lang="en-US" dirty="0" smtClean="0"/>
-              <a:t> install express</a:t>
+              <a:t>     global</a:t>
+            </a:r>
+            <a:r>
+              <a:rPr lang="en-US" dirty="0" smtClean="0"/>
+              <a:t>:</a:t>
             </a:r>
           </a:p>
           <a:p>
@@ -5604,41 +6181,18 @@
               <a:buNone/>
             </a:pPr>
             <a:r>
-              <a:rPr lang="en-US" dirty="0"/>
-              <a:t> </a:t>
-            </a:r>
-            <a:r>
               <a:rPr lang="en-US" dirty="0" smtClean="0"/>
-              <a:t>    global: </a:t>
-            </a:r>
-            <a:r>
-              <a:rPr lang="en-US" dirty="0"/>
-              <a:t>c:\&gt; </a:t>
-            </a:r>
-            <a:r>
-              <a:rPr lang="en-US" dirty="0" err="1"/>
-              <a:t>npm</a:t>
-            </a:r>
-            <a:r>
-              <a:rPr lang="en-US" dirty="0"/>
-              <a:t> install </a:t>
-            </a:r>
+              <a:t>     generate an app:  </a:t>
+            </a:r>
+            <a:endParaRPr lang="en-US" dirty="0" smtClean="0"/>
+          </a:p>
+          <a:p>
+            <a:pPr marL="0" indent="0">
+              <a:buNone/>
+            </a:pPr>
             <a:r>
               <a:rPr lang="en-US" dirty="0" smtClean="0"/>
-              <a:t>– g express </a:t>
-            </a:r>
-          </a:p>
-          <a:p>
-            <a:pPr marL="0" indent="0">
-              <a:buNone/>
-            </a:pPr>
-            <a:r>
-              <a:rPr lang="en-US" dirty="0"/>
-              <a:t> </a:t>
-            </a:r>
-            <a:r>
-              <a:rPr lang="en-US" dirty="0" smtClean="0"/>
-              <a:t>    </a:t>
+              <a:t>     </a:t>
             </a:r>
           </a:p>
           <a:p>
@@ -5649,6 +6203,129 @@
           </a:p>
         </p:txBody>
       </p:sp>
+      <p:pic>
+        <p:nvPicPr>
+          <p:cNvPr id="1025" name="Picture 1" descr="C:\Users\hxh242\AppData\Roaming\Tencent\Users\54240683\QQ\WinTemp\RichOle\2JAD$_50MRCX1X91)4J{)BA.jpg"/>
+          <p:cNvPicPr>
+            <a:picLocks noChangeAspect="1" noChangeArrowheads="1"/>
+          </p:cNvPicPr>
+          <p:nvPr/>
+        </p:nvPicPr>
+        <p:blipFill>
+          <a:blip r:embed="rId4">
+            <a:extLst>
+              <a:ext uri="{28A0092B-C50C-407E-A947-70E740481C1C}">
+                <a14:useLocalDpi xmlns:a14="http://schemas.microsoft.com/office/drawing/2010/main" val="0"/>
+              </a:ext>
+            </a:extLst>
+          </a:blip>
+          <a:srcRect/>
+          <a:stretch>
+            <a:fillRect/>
+          </a:stretch>
+        </p:blipFill>
+        <p:spPr bwMode="auto">
+          <a:xfrm>
+            <a:off x="2286000" y="3918857"/>
+            <a:ext cx="3386138" cy="514350"/>
+          </a:xfrm>
+          <a:prstGeom prst="rect">
+            <a:avLst/>
+          </a:prstGeom>
+          <a:noFill/>
+          <a:extLst>
+            <a:ext uri="{909E8E84-426E-40DD-AFC4-6F175D3DCCD1}">
+              <a14:hiddenFill xmlns:a14="http://schemas.microsoft.com/office/drawing/2010/main">
+                <a:solidFill>
+                  <a:srgbClr val="FFFFFF"/>
+                </a:solidFill>
+              </a14:hiddenFill>
+            </a:ext>
+          </a:extLst>
+        </p:spPr>
+      </p:pic>
+      <p:pic>
+        <p:nvPicPr>
+          <p:cNvPr id="1026" name="Picture 2" descr="C:\Users\hxh242\AppData\Roaming\Tencent\Users\54240683\QQ\WinTemp\RichOle\A1[~X@_R8BE%TLG7XF9}_6H.jpg"/>
+          <p:cNvPicPr>
+            <a:picLocks noChangeAspect="1" noChangeArrowheads="1"/>
+          </p:cNvPicPr>
+          <p:nvPr/>
+        </p:nvPicPr>
+        <p:blipFill>
+          <a:blip r:embed="rId5">
+            <a:extLst>
+              <a:ext uri="{28A0092B-C50C-407E-A947-70E740481C1C}">
+                <a14:useLocalDpi xmlns:a14="http://schemas.microsoft.com/office/drawing/2010/main" val="0"/>
+              </a:ext>
+            </a:extLst>
+          </a:blip>
+          <a:srcRect/>
+          <a:stretch>
+            <a:fillRect/>
+          </a:stretch>
+        </p:blipFill>
+        <p:spPr bwMode="auto">
+          <a:xfrm>
+            <a:off x="2286000" y="4648200"/>
+            <a:ext cx="3757613" cy="514350"/>
+          </a:xfrm>
+          <a:prstGeom prst="rect">
+            <a:avLst/>
+          </a:prstGeom>
+          <a:noFill/>
+          <a:extLst>
+            <a:ext uri="{909E8E84-426E-40DD-AFC4-6F175D3DCCD1}">
+              <a14:hiddenFill xmlns:a14="http://schemas.microsoft.com/office/drawing/2010/main">
+                <a:solidFill>
+                  <a:srgbClr val="FFFFFF"/>
+                </a:solidFill>
+              </a14:hiddenFill>
+            </a:ext>
+          </a:extLst>
+        </p:spPr>
+      </p:pic>
+      <p:pic>
+        <p:nvPicPr>
+          <p:cNvPr id="2049" name="Picture 1" descr="C:\Users\hxh242\AppData\Roaming\Tencent\Users\54240683\QQ\WinTemp\RichOle\TR42SSUZHP@[]IW9JJ@HB%7.jpg"/>
+          <p:cNvPicPr>
+            <a:picLocks noChangeAspect="1" noChangeArrowheads="1"/>
+          </p:cNvPicPr>
+          <p:nvPr/>
+        </p:nvPicPr>
+        <p:blipFill>
+          <a:blip r:embed="rId6">
+            <a:extLst>
+              <a:ext uri="{28A0092B-C50C-407E-A947-70E740481C1C}">
+                <a14:useLocalDpi xmlns:a14="http://schemas.microsoft.com/office/drawing/2010/main" val="0"/>
+              </a:ext>
+            </a:extLst>
+          </a:blip>
+          <a:srcRect/>
+          <a:stretch>
+            <a:fillRect/>
+          </a:stretch>
+        </p:blipFill>
+        <p:spPr bwMode="auto">
+          <a:xfrm>
+            <a:off x="4164806" y="5333999"/>
+            <a:ext cx="4400550" cy="557213"/>
+          </a:xfrm>
+          <a:prstGeom prst="rect">
+            <a:avLst/>
+          </a:prstGeom>
+          <a:noFill/>
+          <a:extLst>
+            <a:ext uri="{909E8E84-426E-40DD-AFC4-6F175D3DCCD1}">
+              <a14:hiddenFill xmlns:a14="http://schemas.microsoft.com/office/drawing/2010/main">
+                <a:solidFill>
+                  <a:srgbClr val="FFFFFF"/>
+                </a:solidFill>
+              </a14:hiddenFill>
+            </a:ext>
+          </a:extLst>
+        </p:spPr>
+      </p:pic>
     </p:spTree>
     <p:extLst>
       <p:ext uri="{BB962C8B-B14F-4D97-AF65-F5344CB8AC3E}">
@@ -5905,6 +6582,105 @@
           </a:extLst>
         </p:spPr>
       </p:pic>
+      <p:pic>
+        <p:nvPicPr>
+          <p:cNvPr id="3073" name="Picture 1" descr="C:\Users\hxh242\AppData\Roaming\Tencent\Users\54240683\QQ\WinTemp\RichOle\X[$SW%EEKRW0)QMU_`RS8]2.jpg"/>
+          <p:cNvPicPr>
+            <a:picLocks noChangeAspect="1" noChangeArrowheads="1"/>
+          </p:cNvPicPr>
+          <p:nvPr/>
+        </p:nvPicPr>
+        <p:blipFill>
+          <a:blip r:embed="rId6">
+            <a:extLst>
+              <a:ext uri="{28A0092B-C50C-407E-A947-70E740481C1C}">
+                <a14:useLocalDpi xmlns:a14="http://schemas.microsoft.com/office/drawing/2010/main" val="0"/>
+              </a:ext>
+            </a:extLst>
+          </a:blip>
+          <a:srcRect/>
+          <a:stretch>
+            <a:fillRect/>
+          </a:stretch>
+        </p:blipFill>
+        <p:spPr bwMode="auto">
+          <a:xfrm>
+            <a:off x="5943600" y="2557462"/>
+            <a:ext cx="3166110" cy="3131820"/>
+          </a:xfrm>
+          <a:prstGeom prst="rect">
+            <a:avLst/>
+          </a:prstGeom>
+          <a:noFill/>
+          <a:extLst>
+            <a:ext uri="{909E8E84-426E-40DD-AFC4-6F175D3DCCD1}">
+              <a14:hiddenFill xmlns:a14="http://schemas.microsoft.com/office/drawing/2010/main">
+                <a:solidFill>
+                  <a:srgbClr val="FFFFFF"/>
+                </a:solidFill>
+              </a14:hiddenFill>
+            </a:ext>
+          </a:extLst>
+        </p:spPr>
+      </p:pic>
+      <p:sp>
+        <p:nvSpPr>
+          <p:cNvPr id="4" name="TextBox 3"/>
+          <p:cNvSpPr txBox="1"/>
+          <p:nvPr/>
+        </p:nvSpPr>
+        <p:spPr>
+          <a:xfrm>
+            <a:off x="6016170" y="1600200"/>
+            <a:ext cx="2317173" cy="1107996"/>
+          </a:xfrm>
+          <a:prstGeom prst="rect">
+            <a:avLst/>
+          </a:prstGeom>
+          <a:noFill/>
+        </p:spPr>
+        <p:txBody>
+          <a:bodyPr wrap="none" rtlCol="0">
+            <a:spAutoFit/>
+          </a:bodyPr>
+          <a:lstStyle/>
+          <a:p>
+            <a:r>
+              <a:rPr lang="en-US" dirty="0" err="1"/>
+              <a:t>m</a:t>
+            </a:r>
+            <a:r>
+              <a:rPr lang="en-US" dirty="0" err="1" smtClean="0"/>
+              <a:t>yexpress</a:t>
+            </a:r>
+            <a:r>
+              <a:rPr lang="en-US" dirty="0" smtClean="0"/>
+              <a:t>/</a:t>
+            </a:r>
+          </a:p>
+          <a:p>
+            <a:r>
+              <a:rPr lang="en-US" dirty="0"/>
+              <a:t>	</a:t>
+            </a:r>
+            <a:r>
+              <a:rPr lang="en-US" dirty="0" smtClean="0"/>
+              <a:t>…</a:t>
+            </a:r>
+          </a:p>
+          <a:p>
+            <a:r>
+              <a:rPr lang="en-US" dirty="0" smtClean="0"/>
+              <a:t>	</a:t>
+            </a:r>
+            <a:r>
+              <a:rPr lang="en-US" dirty="0" err="1" smtClean="0"/>
+              <a:t>package.json</a:t>
+            </a:r>
+            <a:endParaRPr lang="en-US" dirty="0"/>
+          </a:p>
+        </p:txBody>
+      </p:sp>
     </p:spTree>
     <p:extLst>
       <p:ext uri="{BB962C8B-B14F-4D97-AF65-F5344CB8AC3E}">
@@ -5918,9 +6694,107 @@
   <p:timing>
     <p:tnLst>
       <p:par>
-        <p:cTn id="1" dur="indefinite" restart="never" nodeType="tmRoot"/>
+        <p:cTn id="1" dur="indefinite" restart="never" nodeType="tmRoot">
+          <p:childTnLst>
+            <p:seq concurrent="1" nextAc="seek">
+              <p:cTn id="2" dur="indefinite" nodeType="mainSeq">
+                <p:childTnLst>
+                  <p:par>
+                    <p:cTn id="3" fill="hold">
+                      <p:stCondLst>
+                        <p:cond delay="indefinite"/>
+                      </p:stCondLst>
+                      <p:childTnLst>
+                        <p:par>
+                          <p:cTn id="4" fill="hold">
+                            <p:stCondLst>
+                              <p:cond delay="0"/>
+                            </p:stCondLst>
+                            <p:childTnLst>
+                              <p:par>
+                                <p:cTn id="5" presetID="1" presetClass="entr" presetSubtype="0" fill="hold" nodeType="clickEffect">
+                                  <p:stCondLst>
+                                    <p:cond delay="0"/>
+                                  </p:stCondLst>
+                                  <p:childTnLst>
+                                    <p:set>
+                                      <p:cBhvr>
+                                        <p:cTn id="6" dur="1" fill="hold">
+                                          <p:stCondLst>
+                                            <p:cond delay="0"/>
+                                          </p:stCondLst>
+                                        </p:cTn>
+                                        <p:tgtEl>
+                                          <p:spTgt spid="3073"/>
+                                        </p:tgtEl>
+                                        <p:attrNameLst>
+                                          <p:attrName>style.visibility</p:attrName>
+                                        </p:attrNameLst>
+                                      </p:cBhvr>
+                                      <p:to>
+                                        <p:strVal val="visible"/>
+                                      </p:to>
+                                    </p:set>
+                                  </p:childTnLst>
+                                </p:cTn>
+                              </p:par>
+                              <p:par>
+                                <p:cTn id="7" presetID="1" presetClass="entr" presetSubtype="0" fill="hold" grpId="0" nodeType="withEffect">
+                                  <p:stCondLst>
+                                    <p:cond delay="0"/>
+                                  </p:stCondLst>
+                                  <p:childTnLst>
+                                    <p:set>
+                                      <p:cBhvr>
+                                        <p:cTn id="8" dur="1" fill="hold">
+                                          <p:stCondLst>
+                                            <p:cond delay="0"/>
+                                          </p:stCondLst>
+                                        </p:cTn>
+                                        <p:tgtEl>
+                                          <p:spTgt spid="4"/>
+                                        </p:tgtEl>
+                                        <p:attrNameLst>
+                                          <p:attrName>style.visibility</p:attrName>
+                                        </p:attrNameLst>
+                                      </p:cBhvr>
+                                      <p:to>
+                                        <p:strVal val="visible"/>
+                                      </p:to>
+                                    </p:set>
+                                  </p:childTnLst>
+                                </p:cTn>
+                              </p:par>
+                            </p:childTnLst>
+                          </p:cTn>
+                        </p:par>
+                      </p:childTnLst>
+                    </p:cTn>
+                  </p:par>
+                </p:childTnLst>
+              </p:cTn>
+              <p:prevCondLst>
+                <p:cond evt="onPrev" delay="0">
+                  <p:tgtEl>
+                    <p:sldTgt/>
+                  </p:tgtEl>
+                </p:cond>
+              </p:prevCondLst>
+              <p:nextCondLst>
+                <p:cond evt="onNext" delay="0">
+                  <p:tgtEl>
+                    <p:sldTgt/>
+                  </p:tgtEl>
+                </p:cond>
+              </p:nextCondLst>
+            </p:seq>
+          </p:childTnLst>
+        </p:cTn>
       </p:par>
     </p:tnLst>
+    <p:bldLst>
+      <p:bldP spid="4" grpId="0"/>
+    </p:bldLst>
   </p:timing>
 </p:sld>
 </file>
@@ -5988,7 +6862,7 @@
         </p:blipFill>
         <p:spPr bwMode="auto">
           <a:xfrm>
-            <a:off x="-95250" y="2057400"/>
+            <a:off x="-152400" y="2057400"/>
             <a:ext cx="9696450" cy="3295650"/>
           </a:xfrm>
           <a:prstGeom prst="rect">
@@ -6018,7 +6892,7 @@
         </p:nvSpPr>
         <p:spPr>
           <a:xfrm>
-            <a:off x="2032000" y="2971800"/>
+            <a:off x="1981200" y="2514600"/>
             <a:ext cx="7543800" cy="2914650"/>
           </a:xfrm>
           <a:solidFill>
@@ -6027,63 +6901,66 @@
         </p:spPr>
         <p:txBody>
           <a:bodyPr>
-            <a:normAutofit lnSpcReduction="10000"/>
+            <a:normAutofit/>
           </a:bodyPr>
           <a:lstStyle/>
           <a:p>
-            <a:r>
-              <a:rPr lang="en-US" sz="2800" dirty="0"/>
-              <a:t>I</a:t>
-            </a:r>
-            <a:r>
-              <a:rPr lang="en-US" sz="2800" dirty="0" smtClean="0"/>
-              <a:t>mage, </a:t>
-            </a:r>
-            <a:r>
-              <a:rPr lang="en-US" sz="2800" dirty="0" err="1" smtClean="0"/>
+            <a:endParaRPr lang="en-US" sz="2400" dirty="0" smtClean="0"/>
+          </a:p>
+          <a:p>
+            <a:r>
+              <a:rPr lang="en-US" sz="2400" dirty="0" smtClean="0"/>
+              <a:t>Image</a:t>
+            </a:r>
+            <a:r>
+              <a:rPr lang="en-US" sz="2400" dirty="0" smtClean="0"/>
+              <a:t>, </a:t>
+            </a:r>
+            <a:r>
+              <a:rPr lang="en-US" sz="2400" dirty="0" err="1" smtClean="0"/>
               <a:t>css</a:t>
             </a:r>
             <a:r>
-              <a:rPr lang="en-US" sz="2800" dirty="0" smtClean="0"/>
+              <a:rPr lang="en-US" sz="2400" dirty="0" smtClean="0"/>
               <a:t>, </a:t>
             </a:r>
             <a:r>
-              <a:rPr lang="en-US" sz="2800" dirty="0" err="1" smtClean="0"/>
+              <a:rPr lang="en-US" sz="2400" dirty="0" err="1" smtClean="0"/>
               <a:t>js</a:t>
             </a:r>
             <a:r>
-              <a:rPr lang="en-US" sz="2800" dirty="0" smtClean="0"/>
+              <a:rPr lang="en-US" sz="2400" dirty="0" smtClean="0"/>
               <a:t> static content</a:t>
             </a:r>
           </a:p>
           <a:p>
             <a:r>
-              <a:rPr lang="en-US" sz="2800" dirty="0" smtClean="0"/>
+              <a:rPr lang="en-US" sz="2400" dirty="0" smtClean="0"/>
               <a:t>Directory for routing content</a:t>
             </a:r>
           </a:p>
           <a:p>
             <a:r>
-              <a:rPr lang="en-US" sz="2800" dirty="0" smtClean="0"/>
+              <a:rPr lang="en-US" sz="2400" dirty="0" smtClean="0"/>
               <a:t>Views documents</a:t>
             </a:r>
           </a:p>
           <a:p>
             <a:r>
-              <a:rPr lang="en-US" sz="2800" dirty="0" smtClean="0"/>
+              <a:rPr lang="en-US" sz="2400" dirty="0" smtClean="0"/>
               <a:t> The main entry point for the Express application</a:t>
             </a:r>
           </a:p>
           <a:p>
             <a:r>
-              <a:rPr lang="en-US" sz="2800" dirty="0"/>
+              <a:rPr lang="en-US" sz="2400" dirty="0"/>
               <a:t> </a:t>
             </a:r>
             <a:r>
-              <a:rPr lang="en-US" sz="2800" dirty="0" smtClean="0"/>
+              <a:rPr lang="en-US" sz="2400" dirty="0" smtClean="0"/>
               <a:t>Tells Node and NPM what packages are required</a:t>
             </a:r>
-            <a:endParaRPr lang="en-US" sz="2800" dirty="0"/>
+            <a:endParaRPr lang="en-US" sz="2400" dirty="0"/>
           </a:p>
         </p:txBody>
       </p:sp>
@@ -6178,7 +7055,15 @@
             </a:br>
             <a:r>
               <a:rPr lang="en-US" dirty="0" smtClean="0"/>
-              <a:t>without express</a:t>
+              <a:t>Without </a:t>
+            </a:r>
+            <a:r>
+              <a:rPr lang="en-US" dirty="0"/>
+              <a:t>E</a:t>
+            </a:r>
+            <a:r>
+              <a:rPr lang="en-US" dirty="0" smtClean="0"/>
+              <a:t>xpress</a:t>
             </a:r>
             <a:endParaRPr lang="en-US" dirty="0"/>
           </a:p>
@@ -6186,7 +7071,7 @@
       </p:sp>
       <p:pic>
         <p:nvPicPr>
-          <p:cNvPr id="3073" name="Picture 1" descr="C:\software\QQ download\54240683\Image\0WKQAZ17{R$T1$]_M$X04`G.jpg"/>
+          <p:cNvPr id="1026" name="Picture 2" descr="C:\Users\hxh242\AppData\Roaming\Tencent\Users\54240683\QQ\WinTemp\RichOle\4M17{)27PFT)[{`GJR_DW(M.jpg"/>
           <p:cNvPicPr>
             <a:picLocks noChangeAspect="1" noChangeArrowheads="1"/>
           </p:cNvPicPr>
@@ -6207,8 +7092,8 @@
         </p:blipFill>
         <p:spPr bwMode="auto">
           <a:xfrm>
-            <a:off x="533400" y="1447800"/>
-            <a:ext cx="6067425" cy="1885950"/>
+            <a:off x="395287" y="1826418"/>
+            <a:ext cx="9129713" cy="5643563"/>
           </a:xfrm>
           <a:prstGeom prst="rect">
             <a:avLst/>
@@ -6227,7 +7112,7 @@
       </p:pic>
       <p:pic>
         <p:nvPicPr>
-          <p:cNvPr id="3074" name="Picture 2" descr="C:\Users\hxh242\AppData\Roaming\Tencent\Users\54240683\QQ\WinTemp\RichOle\EU9BZ{TJS_C%[~)G4I_{OID.jpg"/>
+          <p:cNvPr id="1028" name="Picture 4" descr="C:\Users\hxh242\AppData\Roaming\Tencent\Users\54240683\QQ\WinTemp\RichOle\E99F%{7ZY~G2C2O1ZC{R`MO.jpg"/>
           <p:cNvPicPr>
             <a:picLocks noChangeAspect="1" noChangeArrowheads="1"/>
           </p:cNvPicPr>
@@ -6248,8 +7133,90 @@
         </p:blipFill>
         <p:spPr bwMode="auto">
           <a:xfrm>
-            <a:off x="533400" y="3276600"/>
-            <a:ext cx="6381750" cy="3933825"/>
+            <a:off x="7010400" y="2733675"/>
+            <a:ext cx="2562225" cy="1000125"/>
+          </a:xfrm>
+          <a:prstGeom prst="rect">
+            <a:avLst/>
+          </a:prstGeom>
+          <a:noFill/>
+          <a:extLst>
+            <a:ext uri="{909E8E84-426E-40DD-AFC4-6F175D3DCCD1}">
+              <a14:hiddenFill xmlns:a14="http://schemas.microsoft.com/office/drawing/2010/main">
+                <a:solidFill>
+                  <a:srgbClr val="FFFFFF"/>
+                </a:solidFill>
+              </a14:hiddenFill>
+            </a:ext>
+          </a:extLst>
+        </p:spPr>
+      </p:pic>
+      <p:pic>
+        <p:nvPicPr>
+          <p:cNvPr id="1030" name="Picture 6" descr="C:\Users\hxh242\AppData\Roaming\Tencent\Users\54240683\QQ\WinTemp\RichOle\87$2UAT1B0%4ZD0C5ZYTOEG.jpg"/>
+          <p:cNvPicPr>
+            <a:picLocks noChangeAspect="1" noChangeArrowheads="1"/>
+          </p:cNvPicPr>
+          <p:nvPr/>
+        </p:nvPicPr>
+        <p:blipFill>
+          <a:blip r:embed="rId5">
+            <a:extLst>
+              <a:ext uri="{28A0092B-C50C-407E-A947-70E740481C1C}">
+                <a14:useLocalDpi xmlns:a14="http://schemas.microsoft.com/office/drawing/2010/main" val="0"/>
+              </a:ext>
+            </a:extLst>
+          </a:blip>
+          <a:srcRect/>
+          <a:stretch>
+            <a:fillRect/>
+          </a:stretch>
+        </p:blipFill>
+        <p:spPr bwMode="auto">
+          <a:xfrm>
+            <a:off x="7019925" y="4198936"/>
+            <a:ext cx="2505075" cy="1000125"/>
+          </a:xfrm>
+          <a:prstGeom prst="rect">
+            <a:avLst/>
+          </a:prstGeom>
+          <a:noFill/>
+          <a:extLst>
+            <a:ext uri="{909E8E84-426E-40DD-AFC4-6F175D3DCCD1}">
+              <a14:hiddenFill xmlns:a14="http://schemas.microsoft.com/office/drawing/2010/main">
+                <a:solidFill>
+                  <a:srgbClr val="FFFFFF"/>
+                </a:solidFill>
+              </a14:hiddenFill>
+            </a:ext>
+          </a:extLst>
+        </p:spPr>
+      </p:pic>
+      <p:pic>
+        <p:nvPicPr>
+          <p:cNvPr id="1031" name="Picture 7" descr="C:\Users\hxh242\AppData\Roaming\Tencent\Users\54240683\QQ\WinTemp\RichOle\RQE]`FP2L(9XK%Z8A[KB5N1.jpg"/>
+          <p:cNvPicPr>
+            <a:picLocks noChangeAspect="1" noChangeArrowheads="1"/>
+          </p:cNvPicPr>
+          <p:nvPr/>
+        </p:nvPicPr>
+        <p:blipFill>
+          <a:blip r:embed="rId6">
+            <a:extLst>
+              <a:ext uri="{28A0092B-C50C-407E-A947-70E740481C1C}">
+                <a14:useLocalDpi xmlns:a14="http://schemas.microsoft.com/office/drawing/2010/main" val="0"/>
+              </a:ext>
+            </a:extLst>
+          </a:blip>
+          <a:srcRect/>
+          <a:stretch>
+            <a:fillRect/>
+          </a:stretch>
+        </p:blipFill>
+        <p:spPr bwMode="auto">
+          <a:xfrm>
+            <a:off x="7038974" y="5961743"/>
+            <a:ext cx="2505075" cy="1019175"/>
           </a:xfrm>
           <a:prstGeom prst="rect">
             <a:avLst/>
@@ -6279,7 +7246,165 @@
   <p:timing>
     <p:tnLst>
       <p:par>
-        <p:cTn id="1" dur="indefinite" restart="never" nodeType="tmRoot"/>
+        <p:cTn id="1" dur="indefinite" restart="never" nodeType="tmRoot">
+          <p:childTnLst>
+            <p:seq concurrent="1" nextAc="seek">
+              <p:cTn id="2" dur="indefinite" nodeType="mainSeq">
+                <p:childTnLst>
+                  <p:par>
+                    <p:cTn id="3" fill="hold">
+                      <p:stCondLst>
+                        <p:cond delay="indefinite"/>
+                      </p:stCondLst>
+                      <p:childTnLst>
+                        <p:par>
+                          <p:cTn id="4" fill="hold">
+                            <p:stCondLst>
+                              <p:cond delay="0"/>
+                            </p:stCondLst>
+                            <p:childTnLst>
+                              <p:par>
+                                <p:cTn id="5" presetID="1" presetClass="entr" presetSubtype="0" fill="hold" nodeType="clickEffect">
+                                  <p:stCondLst>
+                                    <p:cond delay="0"/>
+                                  </p:stCondLst>
+                                  <p:childTnLst>
+                                    <p:set>
+                                      <p:cBhvr>
+                                        <p:cTn id="6" dur="1" fill="hold">
+                                          <p:stCondLst>
+                                            <p:cond delay="0"/>
+                                          </p:stCondLst>
+                                        </p:cTn>
+                                        <p:tgtEl>
+                                          <p:spTgt spid="1028"/>
+                                        </p:tgtEl>
+                                        <p:attrNameLst>
+                                          <p:attrName>style.visibility</p:attrName>
+                                        </p:attrNameLst>
+                                      </p:cBhvr>
+                                      <p:to>
+                                        <p:strVal val="visible"/>
+                                      </p:to>
+                                    </p:set>
+                                  </p:childTnLst>
+                                </p:cTn>
+                              </p:par>
+                            </p:childTnLst>
+                          </p:cTn>
+                        </p:par>
+                      </p:childTnLst>
+                    </p:cTn>
+                  </p:par>
+                  <p:par>
+                    <p:cTn id="7" fill="hold">
+                      <p:stCondLst>
+                        <p:cond delay="indefinite"/>
+                      </p:stCondLst>
+                      <p:childTnLst>
+                        <p:par>
+                          <p:cTn id="8" fill="hold">
+                            <p:stCondLst>
+                              <p:cond delay="0"/>
+                            </p:stCondLst>
+                            <p:childTnLst>
+                              <p:par>
+                                <p:cTn id="9" presetID="1" presetClass="entr" presetSubtype="0" fill="hold" nodeType="clickEffect">
+                                  <p:stCondLst>
+                                    <p:cond delay="0"/>
+                                  </p:stCondLst>
+                                  <p:childTnLst>
+                                    <p:set>
+                                      <p:cBhvr>
+                                        <p:cTn id="10" dur="1" fill="hold">
+                                          <p:stCondLst>
+                                            <p:cond delay="0"/>
+                                          </p:stCondLst>
+                                        </p:cTn>
+                                        <p:tgtEl>
+                                          <p:spTgt spid="1030"/>
+                                        </p:tgtEl>
+                                        <p:attrNameLst>
+                                          <p:attrName>style.visibility</p:attrName>
+                                        </p:attrNameLst>
+                                      </p:cBhvr>
+                                      <p:to>
+                                        <p:strVal val="visible"/>
+                                      </p:to>
+                                    </p:set>
+                                  </p:childTnLst>
+                                </p:cTn>
+                              </p:par>
+                            </p:childTnLst>
+                          </p:cTn>
+                        </p:par>
+                      </p:childTnLst>
+                    </p:cTn>
+                  </p:par>
+                  <p:par>
+                    <p:cTn id="11" fill="hold">
+                      <p:stCondLst>
+                        <p:cond delay="indefinite"/>
+                      </p:stCondLst>
+                      <p:childTnLst>
+                        <p:par>
+                          <p:cTn id="12" fill="hold">
+                            <p:stCondLst>
+                              <p:cond delay="0"/>
+                            </p:stCondLst>
+                            <p:childTnLst>
+                              <p:par>
+                                <p:cTn id="13" presetID="1" presetClass="entr" presetSubtype="0" fill="hold" nodeType="clickEffect">
+                                  <p:stCondLst>
+                                    <p:cond delay="0"/>
+                                  </p:stCondLst>
+                                  <p:childTnLst>
+                                    <p:set>
+                                      <p:cBhvr>
+                                        <p:cTn id="14" dur="1" fill="hold">
+                                          <p:stCondLst>
+                                            <p:cond delay="0"/>
+                                          </p:stCondLst>
+                                        </p:cTn>
+                                        <p:tgtEl>
+                                          <p:spTgt spid="1031"/>
+                                        </p:tgtEl>
+                                        <p:attrNameLst>
+                                          <p:attrName>style.visibility</p:attrName>
+                                        </p:attrNameLst>
+                                      </p:cBhvr>
+                                      <p:to>
+                                        <p:strVal val="visible"/>
+                                      </p:to>
+                                    </p:set>
+                                  </p:childTnLst>
+                                </p:cTn>
+                              </p:par>
+                            </p:childTnLst>
+                          </p:cTn>
+                        </p:par>
+                      </p:childTnLst>
+                    </p:cTn>
+                  </p:par>
+                </p:childTnLst>
+              </p:cTn>
+              <p:prevCondLst>
+                <p:cond evt="onPrev" delay="0">
+                  <p:tgtEl>
+                    <p:sldTgt/>
+                  </p:tgtEl>
+                </p:cond>
+              </p:prevCondLst>
+              <p:nextCondLst>
+                <p:cond evt="onNext" delay="0">
+                  <p:tgtEl>
+                    <p:sldTgt/>
+                  </p:tgtEl>
+                </p:cond>
+              </p:nextCondLst>
+            </p:seq>
+          </p:childTnLst>
+        </p:cTn>
       </p:par>
     </p:tnLst>
   </p:timing>
@@ -6303,82 +7428,9 @@
           <a:chExt cx="0" cy="0"/>
         </a:xfrm>
       </p:grpSpPr>
-      <p:sp>
-        <p:nvSpPr>
-          <p:cNvPr id="4" name="Title 3"/>
-          <p:cNvSpPr>
-            <a:spLocks noGrp="1"/>
-          </p:cNvSpPr>
-          <p:nvPr>
-            <p:ph type="title"/>
-          </p:nvPr>
-        </p:nvSpPr>
-        <p:spPr/>
-        <p:txBody>
-          <a:bodyPr>
-            <a:normAutofit fontScale="90000"/>
-          </a:bodyPr>
-          <a:lstStyle/>
-          <a:p>
-            <a:r>
-              <a:rPr lang="en-US" dirty="0" smtClean="0"/>
-              <a:t>Example-Routing</a:t>
-            </a:r>
-            <a:br>
-              <a:rPr lang="en-US" dirty="0" smtClean="0"/>
-            </a:br>
-            <a:r>
-              <a:rPr lang="en-US" dirty="0" smtClean="0"/>
-              <a:t>with express</a:t>
-            </a:r>
-            <a:endParaRPr lang="en-US" dirty="0"/>
-          </a:p>
-        </p:txBody>
-      </p:sp>
       <p:pic>
         <p:nvPicPr>
-          <p:cNvPr id="4097" name="Picture 1" descr="C:\Users\hxh242\AppData\Roaming\Tencent\Users\54240683\QQ\WinTemp\RichOle\IM%K0Q14AB%SWZB4WST7W@I.jpg"/>
-          <p:cNvPicPr>
-            <a:picLocks noChangeAspect="1" noChangeArrowheads="1"/>
-          </p:cNvPicPr>
-          <p:nvPr/>
-        </p:nvPicPr>
-        <p:blipFill>
-          <a:blip r:embed="rId2">
-            <a:extLst>
-              <a:ext uri="{28A0092B-C50C-407E-A947-70E740481C1C}">
-                <a14:useLocalDpi xmlns:a14="http://schemas.microsoft.com/office/drawing/2010/main" val="0"/>
-              </a:ext>
-            </a:extLst>
-          </a:blip>
-          <a:srcRect/>
-          <a:stretch>
-            <a:fillRect/>
-          </a:stretch>
-        </p:blipFill>
-        <p:spPr bwMode="auto">
-          <a:xfrm>
-            <a:off x="685800" y="1524000"/>
-            <a:ext cx="6448425" cy="2733675"/>
-          </a:xfrm>
-          <a:prstGeom prst="rect">
-            <a:avLst/>
-          </a:prstGeom>
-          <a:noFill/>
-          <a:extLst>
-            <a:ext uri="{909E8E84-426E-40DD-AFC4-6F175D3DCCD1}">
-              <a14:hiddenFill xmlns:a14="http://schemas.microsoft.com/office/drawing/2010/main">
-                <a:solidFill>
-                  <a:srgbClr val="FFFFFF"/>
-                </a:solidFill>
-              </a14:hiddenFill>
-            </a:ext>
-          </a:extLst>
-        </p:spPr>
-      </p:pic>
-      <p:pic>
-        <p:nvPicPr>
-          <p:cNvPr id="4098" name="Picture 2" descr="C:\Users\hxh242\AppData\Roaming\Tencent\Users\54240683\QQ\WinTemp\RichOle\I()}~(3VE}])0`CA{UU%$BV.jpg"/>
+          <p:cNvPr id="1025" name="Picture 1" descr="C:\Users\hxh242\AppData\Roaming\Tencent\Users\54240683\QQ\WinTemp\RichOle\B7V4PAJFBC]AIEOHHV1T6AF.jpg"/>
           <p:cNvPicPr>
             <a:picLocks noChangeAspect="1" noChangeArrowheads="1"/>
           </p:cNvPicPr>
@@ -6399,8 +7451,8 @@
         </p:blipFill>
         <p:spPr bwMode="auto">
           <a:xfrm>
-            <a:off x="685800" y="4257675"/>
-            <a:ext cx="6057900" cy="2762250"/>
+            <a:off x="223837" y="985836"/>
+            <a:ext cx="9072563" cy="5872163"/>
           </a:xfrm>
           <a:prstGeom prst="rect">
             <a:avLst/>
@@ -6417,6 +7469,100 @@
           </a:extLst>
         </p:spPr>
       </p:pic>
+      <p:pic>
+        <p:nvPicPr>
+          <p:cNvPr id="7" name="Picture 6" descr="C:\Users\hxh242\AppData\Roaming\Tencent\Users\54240683\QQ\WinTemp\RichOle\87$2UAT1B0%4ZD0C5ZYTOEG.jpg"/>
+          <p:cNvPicPr>
+            <a:picLocks noChangeAspect="1" noChangeArrowheads="1"/>
+          </p:cNvPicPr>
+          <p:nvPr/>
+        </p:nvPicPr>
+        <p:blipFill>
+          <a:blip r:embed="rId4">
+            <a:extLst>
+              <a:ext uri="{28A0092B-C50C-407E-A947-70E740481C1C}">
+                <a14:useLocalDpi xmlns:a14="http://schemas.microsoft.com/office/drawing/2010/main" val="0"/>
+              </a:ext>
+            </a:extLst>
+          </a:blip>
+          <a:srcRect/>
+          <a:stretch>
+            <a:fillRect/>
+          </a:stretch>
+        </p:blipFill>
+        <p:spPr bwMode="auto">
+          <a:xfrm>
+            <a:off x="6477000" y="3724275"/>
+            <a:ext cx="2505075" cy="1000125"/>
+          </a:xfrm>
+          <a:prstGeom prst="rect">
+            <a:avLst/>
+          </a:prstGeom>
+          <a:noFill/>
+          <a:extLst>
+            <a:ext uri="{909E8E84-426E-40DD-AFC4-6F175D3DCCD1}">
+              <a14:hiddenFill xmlns:a14="http://schemas.microsoft.com/office/drawing/2010/main">
+                <a:solidFill>
+                  <a:srgbClr val="FFFFFF"/>
+                </a:solidFill>
+              </a14:hiddenFill>
+            </a:ext>
+          </a:extLst>
+        </p:spPr>
+      </p:pic>
+      <p:sp>
+        <p:nvSpPr>
+          <p:cNvPr id="10" name="Title 3"/>
+          <p:cNvSpPr txBox="1">
+            <a:spLocks/>
+          </p:cNvSpPr>
+          <p:nvPr/>
+        </p:nvSpPr>
+        <p:spPr>
+          <a:xfrm>
+            <a:off x="609600" y="76200"/>
+            <a:ext cx="8229600" cy="1143000"/>
+          </a:xfrm>
+          <a:prstGeom prst="rect">
+            <a:avLst/>
+          </a:prstGeom>
+        </p:spPr>
+        <p:txBody>
+          <a:bodyPr vert="horz" lIns="91440" tIns="45720" rIns="91440" bIns="45720" rtlCol="0" anchor="ctr">
+            <a:normAutofit fontScale="90000" lnSpcReduction="20000"/>
+          </a:bodyPr>
+          <a:lstStyle>
+            <a:lvl1pPr algn="ctr" defTabSz="914400" rtl="0" eaLnBrk="1" latinLnBrk="0" hangingPunct="1">
+              <a:spcBef>
+                <a:spcPct val="0"/>
+              </a:spcBef>
+              <a:buNone/>
+              <a:defRPr sz="4400" kern="1200">
+                <a:solidFill>
+                  <a:schemeClr val="tx1"/>
+                </a:solidFill>
+                <a:latin typeface="+mj-lt"/>
+                <a:ea typeface="+mj-ea"/>
+                <a:cs typeface="+mj-cs"/>
+              </a:defRPr>
+            </a:lvl1pPr>
+          </a:lstStyle>
+          <a:p>
+            <a:r>
+              <a:rPr lang="en-US" dirty="0" smtClean="0"/>
+              <a:t>Example-Routing</a:t>
+            </a:r>
+            <a:br>
+              <a:rPr lang="en-US" dirty="0" smtClean="0"/>
+            </a:br>
+            <a:r>
+              <a:rPr lang="en-US" dirty="0" smtClean="0"/>
+              <a:t>With Express</a:t>
+            </a:r>
+            <a:endParaRPr lang="en-US" dirty="0"/>
+          </a:p>
+        </p:txBody>
+      </p:sp>
     </p:spTree>
     <p:extLst>
       <p:ext uri="{BB962C8B-B14F-4D97-AF65-F5344CB8AC3E}">
@@ -6427,6 +7573,13 @@
   <p:clrMapOvr>
     <a:masterClrMapping/>
   </p:clrMapOvr>
+  <p:timing>
+    <p:tnLst>
+      <p:par>
+        <p:cTn id="1" dur="indefinite" restart="never" nodeType="tmRoot"/>
+      </p:par>
+    </p:tnLst>
+  </p:timing>
 </p:sld>
 </file>
 
@@ -6480,10 +7633,15 @@
             <p:ph idx="1"/>
           </p:nvPr>
         </p:nvSpPr>
-        <p:spPr/>
+        <p:spPr>
+          <a:xfrm>
+            <a:off x="990600" y="1295400"/>
+            <a:ext cx="8229600" cy="5791200"/>
+          </a:xfrm>
+        </p:spPr>
         <p:txBody>
           <a:bodyPr>
-            <a:normAutofit fontScale="77500" lnSpcReduction="20000"/>
+            <a:normAutofit fontScale="70000" lnSpcReduction="20000"/>
           </a:bodyPr>
           <a:lstStyle/>
           <a:p>
@@ -6492,7 +7650,7 @@
             </a:pPr>
             <a:r>
               <a:rPr lang="en-US" dirty="0" smtClean="0"/>
-              <a:t>Official Web sits</a:t>
+              <a:t>Official Web Sits</a:t>
             </a:r>
             <a:endParaRPr lang="en-US" dirty="0"/>
           </a:p>
@@ -6544,7 +7702,7 @@
               </a:rPr>
               <a:t>expressjs.com/api.html</a:t>
             </a:r>
-            <a:endParaRPr lang="en-US" dirty="0" smtClean="0"/>
+            <a:endParaRPr lang="en-US" dirty="0"/>
           </a:p>
           <a:p>
             <a:pPr marL="0" indent="0">
@@ -6558,89 +7716,104 @@
             </a:pPr>
             <a:r>
               <a:rPr lang="en-US" dirty="0" smtClean="0"/>
-              <a:t>Concepts</a:t>
-            </a:r>
-          </a:p>
-          <a:p>
+              <a:t>Examples</a:t>
+            </a:r>
+          </a:p>
+          <a:p>
+            <a:r>
+              <a:rPr lang="en-US" dirty="0">
+                <a:hlinkClick r:id="rId5"/>
+              </a:rPr>
+              <a:t>https://</a:t>
+            </a:r>
             <a:r>
               <a:rPr lang="en-US" dirty="0" smtClean="0">
                 <a:hlinkClick r:id="rId5"/>
               </a:rPr>
+              <a:t>github.com/visionmedia/express/tree/master/examples</a:t>
+            </a:r>
+            <a:r>
+              <a:rPr lang="en-US" dirty="0" smtClean="0"/>
+              <a:t> </a:t>
+            </a:r>
+          </a:p>
+          <a:p>
+            <a:pPr marL="0" indent="0">
+              <a:buNone/>
+            </a:pPr>
+            <a:endParaRPr lang="en-US" dirty="0" smtClean="0"/>
+          </a:p>
+          <a:p>
+            <a:pPr marL="0" indent="0">
+              <a:buNone/>
+            </a:pPr>
+            <a:r>
+              <a:rPr lang="en-US" dirty="0" smtClean="0"/>
+              <a:t>Concepts</a:t>
+            </a:r>
+          </a:p>
+          <a:p>
+            <a:r>
+              <a:rPr lang="en-US" dirty="0" smtClean="0">
+                <a:hlinkClick r:id="rId6"/>
+              </a:rPr>
               <a:t>http</a:t>
             </a:r>
-            <a:r>
-              <a:rPr lang="en-US" dirty="0">
-                <a:hlinkClick r:id="rId5"/>
-              </a:rPr>
-              <a:t>://code.tutsplus.com/tutorials/introduction-to-express--</a:t>
-            </a:r>
-            <a:r>
-              <a:rPr lang="en-US" dirty="0" smtClean="0">
-                <a:hlinkClick r:id="rId5"/>
-              </a:rPr>
-              <a:t>net-33367</a:t>
-            </a:r>
-            <a:endParaRPr lang="en-US" dirty="0" smtClean="0"/>
-          </a:p>
-          <a:p>
             <a:r>
               <a:rPr lang="en-US" dirty="0">
                 <a:hlinkClick r:id="rId6"/>
               </a:rPr>
-              <a:t>http://evanhahn.com/understanding-express</a:t>
+              <a:t>://code.tutsplus.com/tutorials/introduction-to-express--</a:t>
             </a:r>
             <a:r>
               <a:rPr lang="en-US" dirty="0" smtClean="0">
                 <a:hlinkClick r:id="rId6"/>
               </a:rPr>
-              <a:t>/</a:t>
+              <a:t>net-33367</a:t>
             </a:r>
             <a:endParaRPr lang="en-US" dirty="0" smtClean="0"/>
-          </a:p>
-          <a:p>
-            <a:endParaRPr lang="en-US" dirty="0" smtClean="0"/>
-          </a:p>
-          <a:p>
-            <a:pPr marL="0" indent="0">
-              <a:buNone/>
-            </a:pPr>
-            <a:r>
-              <a:rPr lang="en-US" dirty="0" smtClean="0"/>
-              <a:t>Video Tutorial</a:t>
-            </a:r>
           </a:p>
           <a:p>
             <a:r>
               <a:rPr lang="en-US" dirty="0">
                 <a:hlinkClick r:id="rId7"/>
               </a:rPr>
-              <a:t>https://</a:t>
+              <a:t>http://evanhahn.com/understanding-express</a:t>
             </a:r>
             <a:r>
               <a:rPr lang="en-US" dirty="0" smtClean="0">
                 <a:hlinkClick r:id="rId7"/>
               </a:rPr>
+              <a:t>/</a:t>
+            </a:r>
+            <a:endParaRPr lang="en-US" dirty="0" smtClean="0"/>
+          </a:p>
+          <a:p>
+            <a:endParaRPr lang="en-US" dirty="0" smtClean="0"/>
+          </a:p>
+          <a:p>
+            <a:pPr marL="0" indent="0">
+              <a:buNone/>
+            </a:pPr>
+            <a:r>
+              <a:rPr lang="en-US" dirty="0" smtClean="0"/>
+              <a:t>Video Tutorial</a:t>
+            </a:r>
+          </a:p>
+          <a:p>
+            <a:r>
+              <a:rPr lang="en-US" dirty="0">
+                <a:hlinkClick r:id="rId8"/>
+              </a:rPr>
+              <a:t>https://</a:t>
+            </a:r>
+            <a:r>
+              <a:rPr lang="en-US" dirty="0" smtClean="0">
+                <a:hlinkClick r:id="rId8"/>
+              </a:rPr>
               <a:t>www.youtube.com/watch?v=ndKRjmA6WNA</a:t>
             </a:r>
             <a:endParaRPr lang="en-US" dirty="0" smtClean="0"/>
-          </a:p>
-          <a:p>
-            <a:endParaRPr lang="en-US" dirty="0" smtClean="0"/>
-          </a:p>
-          <a:p>
-            <a:pPr marL="0" indent="0">
-              <a:buNone/>
-            </a:pPr>
-            <a:endParaRPr lang="en-US" dirty="0" smtClean="0"/>
-          </a:p>
-          <a:p>
-            <a:pPr marL="0" indent="0">
-              <a:buNone/>
-            </a:pPr>
-            <a:endParaRPr lang="en-US" dirty="0" smtClean="0"/>
-          </a:p>
-          <a:p>
-            <a:endParaRPr lang="en-US" dirty="0"/>
           </a:p>
         </p:txBody>
       </p:sp>
